--- a/EDA/SRC/Presentacion.pptx
+++ b/EDA/SRC/Presentacion.pptx
@@ -1601,7 +1601,7 @@
   <p:cSld>
     <p:spTree>
       <p:nvGrpSpPr>
-        <p:cNvPr id="166" name="Shape 166"/>
+        <p:cNvPr id="165" name="Shape 165"/>
         <p:cNvGrpSpPr/>
         <p:nvPr/>
       </p:nvGrpSpPr>
@@ -1615,7 +1615,7 @@
       </p:grpSpPr>
       <p:sp>
         <p:nvSpPr>
-          <p:cNvPr id="167" name="Google Shape;167;g1f7b3a1df63_0_112:notes"/>
+          <p:cNvPr id="166" name="Google Shape;166;g1f7b3a1df63_0_112:notes"/>
           <p:cNvSpPr/>
           <p:nvPr>
             <p:ph idx="2" type="sldImg"/>
@@ -1650,7 +1650,7 @@
       </p:sp>
       <p:sp>
         <p:nvSpPr>
-          <p:cNvPr id="168" name="Google Shape;168;g1f7b3a1df63_0_112:notes"/>
+          <p:cNvPr id="167" name="Google Shape;167;g1f7b3a1df63_0_112:notes"/>
           <p:cNvSpPr txBox="1"/>
           <p:nvPr>
             <p:ph idx="1" type="body"/>
@@ -1700,7 +1700,7 @@
   <p:cSld>
     <p:spTree>
       <p:nvGrpSpPr>
-        <p:cNvPr id="173" name="Shape 173"/>
+        <p:cNvPr id="172" name="Shape 172"/>
         <p:cNvGrpSpPr/>
         <p:nvPr/>
       </p:nvGrpSpPr>
@@ -1714,7 +1714,7 @@
       </p:grpSpPr>
       <p:sp>
         <p:nvSpPr>
-          <p:cNvPr id="174" name="Google Shape;174;g1f7b3a1df63_0_27:notes"/>
+          <p:cNvPr id="173" name="Google Shape;173;g1f7b3a1df63_0_27:notes"/>
           <p:cNvSpPr/>
           <p:nvPr>
             <p:ph idx="2" type="sldImg"/>
@@ -1749,7 +1749,7 @@
       </p:sp>
       <p:sp>
         <p:nvSpPr>
-          <p:cNvPr id="175" name="Google Shape;175;g1f7b3a1df63_0_27:notes"/>
+          <p:cNvPr id="174" name="Google Shape;174;g1f7b3a1df63_0_27:notes"/>
           <p:cNvSpPr txBox="1"/>
           <p:nvPr>
             <p:ph idx="1" type="body"/>
@@ -1898,7 +1898,7 @@
   <p:cSld>
     <p:spTree>
       <p:nvGrpSpPr>
-        <p:cNvPr id="180" name="Shape 180"/>
+        <p:cNvPr id="179" name="Shape 179"/>
         <p:cNvGrpSpPr/>
         <p:nvPr/>
       </p:nvGrpSpPr>
@@ -1912,7 +1912,7 @@
       </p:grpSpPr>
       <p:sp>
         <p:nvSpPr>
-          <p:cNvPr id="181" name="Google Shape;181;g1f7b3a1df63_0_42:notes"/>
+          <p:cNvPr id="180" name="Google Shape;180;g1f7b3a1df63_0_42:notes"/>
           <p:cNvSpPr/>
           <p:nvPr>
             <p:ph idx="2" type="sldImg"/>
@@ -1947,7 +1947,7 @@
       </p:sp>
       <p:sp>
         <p:nvSpPr>
-          <p:cNvPr id="182" name="Google Shape;182;g1f7b3a1df63_0_42:notes"/>
+          <p:cNvPr id="181" name="Google Shape;181;g1f7b3a1df63_0_42:notes"/>
           <p:cNvSpPr txBox="1"/>
           <p:nvPr>
             <p:ph idx="1" type="body"/>
@@ -8665,8 +8665,8 @@
         </p:nvSpPr>
         <p:spPr>
           <a:xfrm>
-            <a:off x="311700" y="194675"/>
-            <a:ext cx="8520600" cy="823200"/>
+            <a:off x="311700" y="87525"/>
+            <a:ext cx="8520600" cy="930300"/>
           </a:xfrm>
           <a:prstGeom prst="rect">
             <a:avLst/>
@@ -8689,54 +8689,15 @@
             </a:pPr>
             <a:r>
               <a:rPr lang="es"/>
-              <a:t>Así ha evolicionado cada uno </a:t>
+              <a:t>Así ha evolucionado cada uno </a:t>
             </a:r>
             <a:endParaRPr/>
           </a:p>
         </p:txBody>
       </p:sp>
-      <p:sp>
-        <p:nvSpPr>
-          <p:cNvPr id="164" name="Google Shape;164;p29"/>
-          <p:cNvSpPr txBox="1"/>
-          <p:nvPr>
-            <p:ph idx="1" type="body"/>
-          </p:nvPr>
-        </p:nvSpPr>
-        <p:spPr>
-          <a:xfrm>
-            <a:off x="311700" y="1152475"/>
-            <a:ext cx="8520600" cy="3416400"/>
-          </a:xfrm>
-          <a:prstGeom prst="rect">
-            <a:avLst/>
-          </a:prstGeom>
-        </p:spPr>
-        <p:txBody>
-          <a:bodyPr anchorCtr="0" anchor="t" bIns="91425" lIns="91425" spcFirstLastPara="1" rIns="91425" wrap="square" tIns="91425">
-            <a:normAutofit/>
-          </a:bodyPr>
-          <a:lstStyle/>
-          <a:p>
-            <a:pPr indent="0" lvl="0" marL="0" rtl="0" algn="l">
-              <a:spcBef>
-                <a:spcPts val="0"/>
-              </a:spcBef>
-              <a:spcAft>
-                <a:spcPts val="1200"/>
-              </a:spcAft>
-              <a:buNone/>
-            </a:pPr>
-            <a:r>
-              <a:t/>
-            </a:r>
-            <a:endParaRPr/>
-          </a:p>
-        </p:txBody>
-      </p:sp>
       <p:pic>
         <p:nvPicPr>
-          <p:cNvPr id="165" name="Google Shape;165;p29"/>
+          <p:cNvPr id="164" name="Google Shape;164;p29"/>
           <p:cNvPicPr preferRelativeResize="0"/>
           <p:nvPr/>
         </p:nvPicPr>
@@ -8750,8 +8711,8 @@
         </p:blipFill>
         <p:spPr>
           <a:xfrm>
-            <a:off x="676450" y="968600"/>
-            <a:ext cx="7791074" cy="4174900"/>
+            <a:off x="478300" y="618400"/>
+            <a:ext cx="8060526" cy="4310800"/>
           </a:xfrm>
           <a:prstGeom prst="rect">
             <a:avLst/>
@@ -8775,7 +8736,7 @@
   <p:cSld>
     <p:spTree>
       <p:nvGrpSpPr>
-        <p:cNvPr id="169" name="Shape 169"/>
+        <p:cNvPr id="168" name="Shape 168"/>
         <p:cNvGrpSpPr/>
         <p:nvPr/>
       </p:nvGrpSpPr>
@@ -8789,7 +8750,7 @@
       </p:grpSpPr>
       <p:sp>
         <p:nvSpPr>
-          <p:cNvPr id="170" name="Google Shape;170;p30"/>
+          <p:cNvPr id="169" name="Google Shape;169;p30"/>
           <p:cNvSpPr txBox="1"/>
           <p:nvPr>
             <p:ph type="title"/>
@@ -8828,7 +8789,7 @@
       </p:sp>
       <p:sp>
         <p:nvSpPr>
-          <p:cNvPr id="171" name="Google Shape;171;p30"/>
+          <p:cNvPr id="170" name="Google Shape;170;p30"/>
           <p:cNvSpPr txBox="1"/>
           <p:nvPr>
             <p:ph idx="1" type="body"/>
@@ -8867,7 +8828,7 @@
       </p:sp>
       <p:pic>
         <p:nvPicPr>
-          <p:cNvPr id="172" name="Google Shape;172;p30"/>
+          <p:cNvPr id="171" name="Google Shape;171;p30"/>
           <p:cNvPicPr preferRelativeResize="0"/>
           <p:nvPr/>
         </p:nvPicPr>
@@ -8906,7 +8867,7 @@
   <p:cSld>
     <p:spTree>
       <p:nvGrpSpPr>
-        <p:cNvPr id="176" name="Shape 176"/>
+        <p:cNvPr id="175" name="Shape 175"/>
         <p:cNvGrpSpPr/>
         <p:nvPr/>
       </p:nvGrpSpPr>
@@ -8920,7 +8881,7 @@
       </p:grpSpPr>
       <p:sp>
         <p:nvSpPr>
-          <p:cNvPr id="177" name="Google Shape;177;p31"/>
+          <p:cNvPr id="176" name="Google Shape;176;p31"/>
           <p:cNvSpPr txBox="1"/>
           <p:nvPr>
             <p:ph type="title"/>
@@ -8960,7 +8921,7 @@
       </p:sp>
       <p:sp>
         <p:nvSpPr>
-          <p:cNvPr id="178" name="Google Shape;178;p31"/>
+          <p:cNvPr id="177" name="Google Shape;177;p31"/>
           <p:cNvSpPr txBox="1"/>
           <p:nvPr>
             <p:ph idx="1" type="body"/>
@@ -8999,7 +8960,7 @@
       </p:sp>
       <p:pic>
         <p:nvPicPr>
-          <p:cNvPr id="179" name="Google Shape;179;p31"/>
+          <p:cNvPr id="178" name="Google Shape;178;p31"/>
           <p:cNvPicPr preferRelativeResize="0"/>
           <p:nvPr/>
         </p:nvPicPr>
@@ -9189,7 +9150,7 @@
     </p:bg>
     <p:spTree>
       <p:nvGrpSpPr>
-        <p:cNvPr id="183" name="Shape 183"/>
+        <p:cNvPr id="182" name="Shape 182"/>
         <p:cNvGrpSpPr/>
         <p:nvPr/>
       </p:nvGrpSpPr>
@@ -9203,7 +9164,7 @@
       </p:grpSpPr>
       <p:sp>
         <p:nvSpPr>
-          <p:cNvPr id="184" name="Google Shape;184;p32"/>
+          <p:cNvPr id="183" name="Google Shape;183;p32"/>
           <p:cNvSpPr txBox="1"/>
           <p:nvPr>
             <p:ph type="title"/>
@@ -9243,7 +9204,7 @@
       </p:sp>
       <p:pic>
         <p:nvPicPr>
-          <p:cNvPr id="185" name="Google Shape;185;p32"/>
+          <p:cNvPr id="184" name="Google Shape;184;p32"/>
           <p:cNvPicPr preferRelativeResize="0"/>
           <p:nvPr/>
         </p:nvPicPr>

--- a/EDA/SRC/Presentacion.pptx
+++ b/EDA/SRC/Presentacion.pptx
@@ -1700,7 +1700,7 @@
   <p:cSld>
     <p:spTree>
       <p:nvGrpSpPr>
-        <p:cNvPr id="172" name="Shape 172"/>
+        <p:cNvPr id="171" name="Shape 171"/>
         <p:cNvGrpSpPr/>
         <p:nvPr/>
       </p:nvGrpSpPr>
@@ -1714,7 +1714,7 @@
       </p:grpSpPr>
       <p:sp>
         <p:nvSpPr>
-          <p:cNvPr id="173" name="Google Shape;173;g1f7b3a1df63_0_27:notes"/>
+          <p:cNvPr id="172" name="Google Shape;172;g1f7b3a1df63_0_27:notes"/>
           <p:cNvSpPr/>
           <p:nvPr>
             <p:ph idx="2" type="sldImg"/>
@@ -1749,7 +1749,7 @@
       </p:sp>
       <p:sp>
         <p:nvSpPr>
-          <p:cNvPr id="174" name="Google Shape;174;g1f7b3a1df63_0_27:notes"/>
+          <p:cNvPr id="173" name="Google Shape;173;g1f7b3a1df63_0_27:notes"/>
           <p:cNvSpPr txBox="1"/>
           <p:nvPr>
             <p:ph idx="1" type="body"/>
@@ -1898,7 +1898,7 @@
   <p:cSld>
     <p:spTree>
       <p:nvGrpSpPr>
-        <p:cNvPr id="179" name="Shape 179"/>
+        <p:cNvPr id="178" name="Shape 178"/>
         <p:cNvGrpSpPr/>
         <p:nvPr/>
       </p:nvGrpSpPr>
@@ -1912,7 +1912,7 @@
       </p:grpSpPr>
       <p:sp>
         <p:nvSpPr>
-          <p:cNvPr id="180" name="Google Shape;180;g1f7b3a1df63_0_42:notes"/>
+          <p:cNvPr id="179" name="Google Shape;179;g1f7b3a1df63_0_42:notes"/>
           <p:cNvSpPr/>
           <p:nvPr>
             <p:ph idx="2" type="sldImg"/>
@@ -1947,7 +1947,7 @@
       </p:sp>
       <p:sp>
         <p:nvSpPr>
-          <p:cNvPr id="181" name="Google Shape;181;g1f7b3a1df63_0_42:notes"/>
+          <p:cNvPr id="180" name="Google Shape;180;g1f7b3a1df63_0_42:notes"/>
           <p:cNvSpPr txBox="1"/>
           <p:nvPr>
             <p:ph idx="1" type="body"/>
@@ -8759,46 +8759,7 @@
         <p:spPr>
           <a:xfrm>
             <a:off x="311700" y="445025"/>
-            <a:ext cx="8520600" cy="572700"/>
-          </a:xfrm>
-          <a:prstGeom prst="rect">
-            <a:avLst/>
-          </a:prstGeom>
-        </p:spPr>
-        <p:txBody>
-          <a:bodyPr anchorCtr="0" anchor="t" bIns="91425" lIns="91425" spcFirstLastPara="1" rIns="91425" wrap="square" tIns="91425">
-            <a:normAutofit fontScale="90000"/>
-          </a:bodyPr>
-          <a:lstStyle/>
-          <a:p>
-            <a:pPr indent="0" lvl="0" marL="0" rtl="0" algn="l">
-              <a:spcBef>
-                <a:spcPts val="0"/>
-              </a:spcBef>
-              <a:spcAft>
-                <a:spcPts val="0"/>
-              </a:spcAft>
-              <a:buNone/>
-            </a:pPr>
-            <a:r>
-              <a:t/>
-            </a:r>
-            <a:endParaRPr/>
-          </a:p>
-        </p:txBody>
-      </p:sp>
-      <p:sp>
-        <p:nvSpPr>
-          <p:cNvPr id="170" name="Google Shape;170;p30"/>
-          <p:cNvSpPr txBox="1"/>
-          <p:nvPr>
-            <p:ph idx="1" type="body"/>
-          </p:nvPr>
-        </p:nvSpPr>
-        <p:spPr>
-          <a:xfrm>
-            <a:off x="311700" y="1152475"/>
-            <a:ext cx="8520600" cy="3416400"/>
+            <a:ext cx="2047800" cy="3583500"/>
           </a:xfrm>
           <a:prstGeom prst="rect">
             <a:avLst/>
@@ -8815,12 +8776,13 @@
                 <a:spcPts val="0"/>
               </a:spcBef>
               <a:spcAft>
-                <a:spcPts val="1200"/>
+                <a:spcPts val="0"/>
               </a:spcAft>
               <a:buNone/>
             </a:pPr>
             <a:r>
-              <a:t/>
+              <a:rPr lang="es"/>
+              <a:t>Los ámbitos de cada categoría</a:t>
             </a:r>
             <a:endParaRPr/>
           </a:p>
@@ -8828,7 +8790,7 @@
       </p:sp>
       <p:pic>
         <p:nvPicPr>
-          <p:cNvPr id="171" name="Google Shape;171;p30"/>
+          <p:cNvPr id="170" name="Google Shape;170;p30"/>
           <p:cNvPicPr preferRelativeResize="0"/>
           <p:nvPr/>
         </p:nvPicPr>
@@ -8842,8 +8804,8 @@
         </p:blipFill>
         <p:spPr>
           <a:xfrm>
-            <a:off x="1414513" y="0"/>
-            <a:ext cx="6314973" cy="5143500"/>
+            <a:off x="2199394" y="59550"/>
+            <a:ext cx="6269212" cy="5143500"/>
           </a:xfrm>
           <a:prstGeom prst="rect">
             <a:avLst/>
@@ -8867,7 +8829,7 @@
   <p:cSld>
     <p:spTree>
       <p:nvGrpSpPr>
-        <p:cNvPr id="175" name="Shape 175"/>
+        <p:cNvPr id="174" name="Shape 174"/>
         <p:cNvGrpSpPr/>
         <p:nvPr/>
       </p:nvGrpSpPr>
@@ -8881,7 +8843,7 @@
       </p:grpSpPr>
       <p:sp>
         <p:nvSpPr>
-          <p:cNvPr id="176" name="Google Shape;176;p31"/>
+          <p:cNvPr id="175" name="Google Shape;175;p31"/>
           <p:cNvSpPr txBox="1"/>
           <p:nvPr>
             <p:ph type="title"/>
@@ -8921,7 +8883,7 @@
       </p:sp>
       <p:sp>
         <p:nvSpPr>
-          <p:cNvPr id="177" name="Google Shape;177;p31"/>
+          <p:cNvPr id="176" name="Google Shape;176;p31"/>
           <p:cNvSpPr txBox="1"/>
           <p:nvPr>
             <p:ph idx="1" type="body"/>
@@ -8960,7 +8922,7 @@
       </p:sp>
       <p:pic>
         <p:nvPicPr>
-          <p:cNvPr id="178" name="Google Shape;178;p31"/>
+          <p:cNvPr id="177" name="Google Shape;177;p31"/>
           <p:cNvPicPr preferRelativeResize="0"/>
           <p:nvPr/>
         </p:nvPicPr>
@@ -9150,7 +9112,7 @@
     </p:bg>
     <p:spTree>
       <p:nvGrpSpPr>
-        <p:cNvPr id="182" name="Shape 182"/>
+        <p:cNvPr id="181" name="Shape 181"/>
         <p:cNvGrpSpPr/>
         <p:nvPr/>
       </p:nvGrpSpPr>
@@ -9164,7 +9126,7 @@
       </p:grpSpPr>
       <p:sp>
         <p:nvSpPr>
-          <p:cNvPr id="183" name="Google Shape;183;p32"/>
+          <p:cNvPr id="182" name="Google Shape;182;p32"/>
           <p:cNvSpPr txBox="1"/>
           <p:nvPr>
             <p:ph type="title"/>
@@ -9204,7 +9166,7 @@
       </p:sp>
       <p:pic>
         <p:nvPicPr>
-          <p:cNvPr id="184" name="Google Shape;184;p32"/>
+          <p:cNvPr id="183" name="Google Shape;183;p32"/>
           <p:cNvPicPr preferRelativeResize="0"/>
           <p:nvPr/>
         </p:nvPicPr>

--- a/EDA/SRC/Presentacion.pptx
+++ b/EDA/SRC/Presentacion.pptx
@@ -1898,7 +1898,7 @@
   <p:cSld>
     <p:spTree>
       <p:nvGrpSpPr>
-        <p:cNvPr id="178" name="Shape 178"/>
+        <p:cNvPr id="177" name="Shape 177"/>
         <p:cNvGrpSpPr/>
         <p:nvPr/>
       </p:nvGrpSpPr>
@@ -1912,7 +1912,7 @@
       </p:grpSpPr>
       <p:sp>
         <p:nvSpPr>
-          <p:cNvPr id="179" name="Google Shape;179;g1f7b3a1df63_0_42:notes"/>
+          <p:cNvPr id="178" name="Google Shape;178;g1f7b3a1df63_0_42:notes"/>
           <p:cNvSpPr/>
           <p:nvPr>
             <p:ph idx="2" type="sldImg"/>
@@ -1947,7 +1947,7 @@
       </p:sp>
       <p:sp>
         <p:nvSpPr>
-          <p:cNvPr id="180" name="Google Shape;180;g1f7b3a1df63_0_42:notes"/>
+          <p:cNvPr id="179" name="Google Shape;179;g1f7b3a1df63_0_42:notes"/>
           <p:cNvSpPr txBox="1"/>
           <p:nvPr>
             <p:ph idx="1" type="body"/>
@@ -8851,8 +8851,8 @@
         </p:nvSpPr>
         <p:spPr>
           <a:xfrm>
-            <a:off x="311700" y="445025"/>
-            <a:ext cx="8520600" cy="572700"/>
+            <a:off x="311700" y="182775"/>
+            <a:ext cx="8520600" cy="834900"/>
           </a:xfrm>
           <a:prstGeom prst="rect">
             <a:avLst/>
@@ -8860,11 +8860,11 @@
         </p:spPr>
         <p:txBody>
           <a:bodyPr anchorCtr="0" anchor="t" bIns="91425" lIns="91425" spcFirstLastPara="1" rIns="91425" wrap="square" tIns="91425">
-            <a:normAutofit fontScale="90000"/>
+            <a:normAutofit/>
           </a:bodyPr>
           <a:lstStyle/>
           <a:p>
-            <a:pPr indent="0" lvl="0" marL="0" rtl="0" algn="l">
+            <a:pPr indent="0" lvl="0" marL="0" rtl="0" algn="ctr">
               <a:spcBef>
                 <a:spcPts val="0"/>
               </a:spcBef>
@@ -8881,48 +8881,9 @@
           </a:p>
         </p:txBody>
       </p:sp>
-      <p:sp>
-        <p:nvSpPr>
-          <p:cNvPr id="176" name="Google Shape;176;p31"/>
-          <p:cNvSpPr txBox="1"/>
-          <p:nvPr>
-            <p:ph idx="1" type="body"/>
-          </p:nvPr>
-        </p:nvSpPr>
-        <p:spPr>
-          <a:xfrm>
-            <a:off x="311700" y="1152475"/>
-            <a:ext cx="8520600" cy="3416400"/>
-          </a:xfrm>
-          <a:prstGeom prst="rect">
-            <a:avLst/>
-          </a:prstGeom>
-        </p:spPr>
-        <p:txBody>
-          <a:bodyPr anchorCtr="0" anchor="t" bIns="91425" lIns="91425" spcFirstLastPara="1" rIns="91425" wrap="square" tIns="91425">
-            <a:normAutofit/>
-          </a:bodyPr>
-          <a:lstStyle/>
-          <a:p>
-            <a:pPr indent="0" lvl="0" marL="0" rtl="0" algn="l">
-              <a:spcBef>
-                <a:spcPts val="0"/>
-              </a:spcBef>
-              <a:spcAft>
-                <a:spcPts val="1200"/>
-              </a:spcAft>
-              <a:buNone/>
-            </a:pPr>
-            <a:r>
-              <a:t/>
-            </a:r>
-            <a:endParaRPr/>
-          </a:p>
-        </p:txBody>
-      </p:sp>
       <p:pic>
         <p:nvPicPr>
-          <p:cNvPr id="177" name="Google Shape;177;p31"/>
+          <p:cNvPr id="176" name="Google Shape;176;p31"/>
           <p:cNvPicPr preferRelativeResize="0"/>
           <p:nvPr/>
         </p:nvPicPr>
@@ -8936,8 +8897,8 @@
         </p:blipFill>
         <p:spPr>
           <a:xfrm>
-            <a:off x="727250" y="968600"/>
-            <a:ext cx="7689499" cy="4174900"/>
+            <a:off x="369100" y="825700"/>
+            <a:ext cx="8463199" cy="4292316"/>
           </a:xfrm>
           <a:prstGeom prst="rect">
             <a:avLst/>
@@ -9112,7 +9073,7 @@
     </p:bg>
     <p:spTree>
       <p:nvGrpSpPr>
-        <p:cNvPr id="181" name="Shape 181"/>
+        <p:cNvPr id="180" name="Shape 180"/>
         <p:cNvGrpSpPr/>
         <p:nvPr/>
       </p:nvGrpSpPr>
@@ -9126,7 +9087,7 @@
       </p:grpSpPr>
       <p:sp>
         <p:nvSpPr>
-          <p:cNvPr id="182" name="Google Shape;182;p32"/>
+          <p:cNvPr id="181" name="Google Shape;181;p32"/>
           <p:cNvSpPr txBox="1"/>
           <p:nvPr>
             <p:ph type="title"/>
@@ -9166,7 +9127,7 @@
       </p:sp>
       <p:pic>
         <p:nvPicPr>
-          <p:cNvPr id="183" name="Google Shape;183;p32"/>
+          <p:cNvPr id="182" name="Google Shape;182;p32"/>
           <p:cNvPicPr preferRelativeResize="0"/>
           <p:nvPr/>
         </p:nvPicPr>
